--- a/presentations/ML_in_Genomics_for_Human_Health.pptx
+++ b/presentations/ML_in_Genomics_for_Human_Health.pptx
@@ -9,6 +9,7 @@
     <p:sldId id="279" r:id="rId3"/>
     <p:sldId id="288" r:id="rId4"/>
     <p:sldId id="286" r:id="rId5"/>
+    <p:sldId id="289" r:id="rId6"/>
   </p:sldIdLst>
   <p:sldSz cx="12192000" cy="6858000"/>
   <p:notesSz cx="6858000" cy="9144000"/>
@@ -107,6 +108,11 @@
       </a:defRPr>
     </a:lvl9pPr>
   </p:defaultTextStyle>
+  <p:extLst>
+    <p:ext uri="{EFAFB233-063F-42B5-8137-9DF3F51BA10A}">
+      <p15:sldGuideLst xmlns:p15="http://schemas.microsoft.com/office/powerpoint/2012/main"/>
+    </p:ext>
+  </p:extLst>
 </p:presentation>
 </file>
 
@@ -6974,6 +6980,818 @@
 </p:sld>
 </file>
 
+<file path=ppt/slides/slide5.xml><?xml version="1.0" encoding="utf-8"?>
+<p:sld xmlns:a="http://schemas.openxmlformats.org/drawingml/2006/main" xmlns:r="http://schemas.openxmlformats.org/officeDocument/2006/relationships" xmlns:p="http://schemas.openxmlformats.org/presentationml/2006/main">
+  <p:cSld>
+    <p:spTree>
+      <p:nvGrpSpPr>
+        <p:cNvPr id="1" name=""/>
+        <p:cNvGrpSpPr/>
+        <p:nvPr/>
+      </p:nvGrpSpPr>
+      <p:grpSpPr>
+        <a:xfrm>
+          <a:off x="0" y="0"/>
+          <a:ext cx="0" cy="0"/>
+          <a:chOff x="0" y="0"/>
+          <a:chExt cx="0" cy="0"/>
+        </a:xfrm>
+      </p:grpSpPr>
+      <p:sp>
+        <p:nvSpPr>
+          <p:cNvPr id="2" name="Title 1">
+            <a:extLst>
+              <a:ext uri="{FF2B5EF4-FFF2-40B4-BE49-F238E27FC236}">
+                <a16:creationId xmlns:a16="http://schemas.microsoft.com/office/drawing/2014/main" id="{51E1A372-2779-41D4-B558-57C8E0FFB208}"/>
+              </a:ext>
+            </a:extLst>
+          </p:cNvPr>
+          <p:cNvSpPr>
+            <a:spLocks noGrp="1"/>
+          </p:cNvSpPr>
+          <p:nvPr>
+            <p:ph type="title"/>
+          </p:nvPr>
+        </p:nvSpPr>
+        <p:spPr/>
+        <p:txBody>
+          <a:bodyPr/>
+          <a:lstStyle/>
+          <a:p>
+            <a:r>
+              <a:rPr lang="en-US" dirty="0"/>
+              <a:t>Protein Sequence Analysis for SARS-CoV-2 Spike Variants</a:t>
+            </a:r>
+          </a:p>
+        </p:txBody>
+      </p:sp>
+      <p:pic>
+        <p:nvPicPr>
+          <p:cNvPr id="4" name="Picture 3" descr="A picture containing night sky&#10;&#10;Description automatically generated">
+            <a:extLst>
+              <a:ext uri="{FF2B5EF4-FFF2-40B4-BE49-F238E27FC236}">
+                <a16:creationId xmlns:a16="http://schemas.microsoft.com/office/drawing/2014/main" id="{DF0BFAE3-53DF-4530-8F55-4AA838A3270D}"/>
+              </a:ext>
+            </a:extLst>
+          </p:cNvPr>
+          <p:cNvPicPr>
+            <a:picLocks noChangeAspect="1"/>
+          </p:cNvPicPr>
+          <p:nvPr/>
+        </p:nvPicPr>
+        <p:blipFill rotWithShape="1">
+          <a:blip r:embed="rId2">
+            <a:extLst>
+              <a:ext uri="{28A0092B-C50C-407E-A947-70E740481C1C}">
+                <a14:useLocalDpi xmlns:a14="http://schemas.microsoft.com/office/drawing/2010/main" val="0"/>
+              </a:ext>
+            </a:extLst>
+          </a:blip>
+          <a:srcRect l="35788" t="5187" r="35761" b="9895"/>
+          <a:stretch/>
+        </p:blipFill>
+        <p:spPr>
+          <a:xfrm>
+            <a:off x="278295" y="1401567"/>
+            <a:ext cx="3468757" cy="4840357"/>
+          </a:xfrm>
+          <a:prstGeom prst="rect">
+            <a:avLst/>
+          </a:prstGeom>
+        </p:spPr>
+      </p:pic>
+      <p:sp>
+        <p:nvSpPr>
+          <p:cNvPr id="5" name="TextBox 4">
+            <a:extLst>
+              <a:ext uri="{FF2B5EF4-FFF2-40B4-BE49-F238E27FC236}">
+                <a16:creationId xmlns:a16="http://schemas.microsoft.com/office/drawing/2014/main" id="{CB3E5C96-95B1-469D-9BA5-9A7EA0C9FCAD}"/>
+              </a:ext>
+            </a:extLst>
+          </p:cNvPr>
+          <p:cNvSpPr txBox="1"/>
+          <p:nvPr/>
+        </p:nvSpPr>
+        <p:spPr>
+          <a:xfrm>
+            <a:off x="2914667" y="4343399"/>
+            <a:ext cx="4643194" cy="923330"/>
+          </a:xfrm>
+          <a:prstGeom prst="rect">
+            <a:avLst/>
+          </a:prstGeom>
+          <a:noFill/>
+        </p:spPr>
+        <p:txBody>
+          <a:bodyPr wrap="none" rtlCol="0">
+            <a:spAutoFit/>
+          </a:bodyPr>
+          <a:lstStyle/>
+          <a:p>
+            <a:r>
+              <a:rPr lang="en-US" b="1" dirty="0">
+                <a:solidFill>
+                  <a:srgbClr val="FF00FF"/>
+                </a:solidFill>
+              </a:rPr>
+              <a:t>Magenta:</a:t>
+            </a:r>
+            <a:r>
+              <a:rPr lang="en-US" dirty="0"/>
+              <a:t> Predicted BV-1 Variant Structure </a:t>
+            </a:r>
+          </a:p>
+          <a:p>
+            <a:r>
+              <a:rPr lang="en-US" b="1" dirty="0">
+                <a:solidFill>
+                  <a:srgbClr val="00B0F0"/>
+                </a:solidFill>
+              </a:rPr>
+              <a:t>Cyan:</a:t>
+            </a:r>
+            <a:r>
+              <a:rPr lang="en-US" dirty="0"/>
+              <a:t> 7CAC Reference Structure</a:t>
+            </a:r>
+          </a:p>
+          <a:p>
+            <a:r>
+              <a:rPr lang="en-US" b="1" dirty="0">
+                <a:solidFill>
+                  <a:srgbClr val="00B050"/>
+                </a:solidFill>
+              </a:rPr>
+              <a:t>Green: </a:t>
+            </a:r>
+            <a:r>
+              <a:rPr lang="en-US" dirty="0"/>
+              <a:t>7CAC Antibody Structure</a:t>
+            </a:r>
+          </a:p>
+        </p:txBody>
+      </p:sp>
+      <p:sp>
+        <p:nvSpPr>
+          <p:cNvPr id="6" name="Rectangle 5">
+            <a:extLst>
+              <a:ext uri="{FF2B5EF4-FFF2-40B4-BE49-F238E27FC236}">
+                <a16:creationId xmlns:a16="http://schemas.microsoft.com/office/drawing/2014/main" id="{64CDAA4E-4DC9-4778-A20D-73AFF4238A18}"/>
+              </a:ext>
+            </a:extLst>
+          </p:cNvPr>
+          <p:cNvSpPr/>
+          <p:nvPr/>
+        </p:nvSpPr>
+        <p:spPr>
+          <a:xfrm>
+            <a:off x="5041642" y="1791009"/>
+            <a:ext cx="2108715" cy="914400"/>
+          </a:xfrm>
+          <a:prstGeom prst="rect">
+            <a:avLst/>
+          </a:prstGeom>
+          <a:solidFill>
+            <a:schemeClr val="bg1"/>
+          </a:solidFill>
+          <a:ln>
+            <a:solidFill>
+              <a:schemeClr val="bg2"/>
+            </a:solidFill>
+          </a:ln>
+        </p:spPr>
+        <p:style>
+          <a:lnRef idx="2">
+            <a:schemeClr val="accent1">
+              <a:shade val="50000"/>
+            </a:schemeClr>
+          </a:lnRef>
+          <a:fillRef idx="1">
+            <a:schemeClr val="accent1"/>
+          </a:fillRef>
+          <a:effectRef idx="0">
+            <a:schemeClr val="accent1"/>
+          </a:effectRef>
+          <a:fontRef idx="minor">
+            <a:schemeClr val="lt1"/>
+          </a:fontRef>
+        </p:style>
+        <p:txBody>
+          <a:bodyPr rtlCol="0" anchor="ctr"/>
+          <a:lstStyle/>
+          <a:p>
+            <a:pPr algn="ctr"/>
+            <a:r>
+              <a:rPr lang="en-US" dirty="0">
+                <a:solidFill>
+                  <a:sysClr val="windowText" lastClr="000000"/>
+                </a:solidFill>
+              </a:rPr>
+              <a:t>Get Variant Sequence</a:t>
+            </a:r>
+          </a:p>
+          <a:p>
+            <a:pPr algn="ctr"/>
+            <a:r>
+              <a:rPr lang="en-US" sz="1200" dirty="0">
+                <a:solidFill>
+                  <a:sysClr val="windowText" lastClr="000000"/>
+                </a:solidFill>
+              </a:rPr>
+              <a:t>(e.g., BV-1)</a:t>
+            </a:r>
+            <a:endParaRPr lang="en-US" dirty="0">
+              <a:solidFill>
+                <a:sysClr val="windowText" lastClr="000000"/>
+              </a:solidFill>
+            </a:endParaRPr>
+          </a:p>
+        </p:txBody>
+      </p:sp>
+      <p:sp>
+        <p:nvSpPr>
+          <p:cNvPr id="7" name="Rectangle 6">
+            <a:extLst>
+              <a:ext uri="{FF2B5EF4-FFF2-40B4-BE49-F238E27FC236}">
+                <a16:creationId xmlns:a16="http://schemas.microsoft.com/office/drawing/2014/main" id="{9F6295DA-1D6B-4735-BB2F-34EC05B1A89E}"/>
+              </a:ext>
+            </a:extLst>
+          </p:cNvPr>
+          <p:cNvSpPr/>
+          <p:nvPr/>
+        </p:nvSpPr>
+        <p:spPr>
+          <a:xfrm>
+            <a:off x="8722433" y="1791009"/>
+            <a:ext cx="2108715" cy="914400"/>
+          </a:xfrm>
+          <a:prstGeom prst="rect">
+            <a:avLst/>
+          </a:prstGeom>
+          <a:solidFill>
+            <a:schemeClr val="bg1"/>
+          </a:solidFill>
+          <a:ln>
+            <a:solidFill>
+              <a:schemeClr val="bg2"/>
+            </a:solidFill>
+          </a:ln>
+        </p:spPr>
+        <p:style>
+          <a:lnRef idx="2">
+            <a:schemeClr val="accent1">
+              <a:shade val="50000"/>
+            </a:schemeClr>
+          </a:lnRef>
+          <a:fillRef idx="1">
+            <a:schemeClr val="accent1"/>
+          </a:fillRef>
+          <a:effectRef idx="0">
+            <a:schemeClr val="accent1"/>
+          </a:effectRef>
+          <a:fontRef idx="minor">
+            <a:schemeClr val="lt1"/>
+          </a:fontRef>
+        </p:style>
+        <p:txBody>
+          <a:bodyPr rtlCol="0" anchor="ctr"/>
+          <a:lstStyle/>
+          <a:p>
+            <a:pPr algn="ctr"/>
+            <a:r>
+              <a:rPr lang="en-US" dirty="0">
+                <a:solidFill>
+                  <a:sysClr val="windowText" lastClr="000000"/>
+                </a:solidFill>
+              </a:rPr>
+              <a:t>Get Reference Antibody Structure</a:t>
+            </a:r>
+          </a:p>
+          <a:p>
+            <a:pPr algn="ctr"/>
+            <a:r>
+              <a:rPr lang="en-US" sz="1200" dirty="0">
+                <a:solidFill>
+                  <a:sysClr val="windowText" lastClr="000000"/>
+                </a:solidFill>
+              </a:rPr>
+              <a:t>(e.g., 7CAC Chains D&amp;E)</a:t>
+            </a:r>
+            <a:endParaRPr lang="en-US" dirty="0">
+              <a:solidFill>
+                <a:sysClr val="windowText" lastClr="000000"/>
+              </a:solidFill>
+            </a:endParaRPr>
+          </a:p>
+        </p:txBody>
+      </p:sp>
+      <p:sp>
+        <p:nvSpPr>
+          <p:cNvPr id="8" name="Rectangle 7">
+            <a:extLst>
+              <a:ext uri="{FF2B5EF4-FFF2-40B4-BE49-F238E27FC236}">
+                <a16:creationId xmlns:a16="http://schemas.microsoft.com/office/drawing/2014/main" id="{2719DEEC-2B13-44DF-AAD7-4C023064BE45}"/>
+              </a:ext>
+            </a:extLst>
+          </p:cNvPr>
+          <p:cNvSpPr/>
+          <p:nvPr/>
+        </p:nvSpPr>
+        <p:spPr>
+          <a:xfrm>
+            <a:off x="5041642" y="3094851"/>
+            <a:ext cx="2108715" cy="914400"/>
+          </a:xfrm>
+          <a:prstGeom prst="rect">
+            <a:avLst/>
+          </a:prstGeom>
+          <a:solidFill>
+            <a:schemeClr val="bg1"/>
+          </a:solidFill>
+          <a:ln>
+            <a:solidFill>
+              <a:schemeClr val="bg2"/>
+            </a:solidFill>
+          </a:ln>
+        </p:spPr>
+        <p:style>
+          <a:lnRef idx="2">
+            <a:schemeClr val="accent1">
+              <a:shade val="50000"/>
+            </a:schemeClr>
+          </a:lnRef>
+          <a:fillRef idx="1">
+            <a:schemeClr val="accent1"/>
+          </a:fillRef>
+          <a:effectRef idx="0">
+            <a:schemeClr val="accent1"/>
+          </a:effectRef>
+          <a:fontRef idx="minor">
+            <a:schemeClr val="lt1"/>
+          </a:fontRef>
+        </p:style>
+        <p:txBody>
+          <a:bodyPr rtlCol="0" anchor="ctr"/>
+          <a:lstStyle/>
+          <a:p>
+            <a:pPr algn="ctr"/>
+            <a:r>
+              <a:rPr lang="en-US" dirty="0">
+                <a:solidFill>
+                  <a:sysClr val="windowText" lastClr="000000"/>
+                </a:solidFill>
+              </a:rPr>
+              <a:t>Predict Structure using I-TASSER</a:t>
+            </a:r>
+          </a:p>
+        </p:txBody>
+      </p:sp>
+      <p:sp>
+        <p:nvSpPr>
+          <p:cNvPr id="9" name="Rectangle 8">
+            <a:extLst>
+              <a:ext uri="{FF2B5EF4-FFF2-40B4-BE49-F238E27FC236}">
+                <a16:creationId xmlns:a16="http://schemas.microsoft.com/office/drawing/2014/main" id="{783DBD3B-CB97-480A-9259-BF9C61ECCB76}"/>
+              </a:ext>
+            </a:extLst>
+          </p:cNvPr>
+          <p:cNvSpPr/>
+          <p:nvPr/>
+        </p:nvSpPr>
+        <p:spPr>
+          <a:xfrm>
+            <a:off x="8722433" y="3094851"/>
+            <a:ext cx="2108715" cy="914400"/>
+          </a:xfrm>
+          <a:prstGeom prst="rect">
+            <a:avLst/>
+          </a:prstGeom>
+          <a:solidFill>
+            <a:schemeClr val="bg1"/>
+          </a:solidFill>
+          <a:ln>
+            <a:solidFill>
+              <a:schemeClr val="bg2"/>
+            </a:solidFill>
+          </a:ln>
+        </p:spPr>
+        <p:style>
+          <a:lnRef idx="2">
+            <a:schemeClr val="accent1">
+              <a:shade val="50000"/>
+            </a:schemeClr>
+          </a:lnRef>
+          <a:fillRef idx="1">
+            <a:schemeClr val="accent1"/>
+          </a:fillRef>
+          <a:effectRef idx="0">
+            <a:schemeClr val="accent1"/>
+          </a:effectRef>
+          <a:fontRef idx="minor">
+            <a:schemeClr val="lt1"/>
+          </a:fontRef>
+        </p:style>
+        <p:txBody>
+          <a:bodyPr rtlCol="0" anchor="ctr"/>
+          <a:lstStyle/>
+          <a:p>
+            <a:pPr algn="ctr"/>
+            <a:r>
+              <a:rPr lang="en-US" dirty="0">
+                <a:solidFill>
+                  <a:sysClr val="windowText" lastClr="000000"/>
+                </a:solidFill>
+              </a:rPr>
+              <a:t>Docker Antibody with Structure using HADDOCK</a:t>
+            </a:r>
+          </a:p>
+        </p:txBody>
+      </p:sp>
+      <p:sp>
+        <p:nvSpPr>
+          <p:cNvPr id="10" name="Rectangle 9">
+            <a:extLst>
+              <a:ext uri="{FF2B5EF4-FFF2-40B4-BE49-F238E27FC236}">
+                <a16:creationId xmlns:a16="http://schemas.microsoft.com/office/drawing/2014/main" id="{CFBA995C-8782-4865-AAE3-F8FBA527DB62}"/>
+              </a:ext>
+            </a:extLst>
+          </p:cNvPr>
+          <p:cNvSpPr/>
+          <p:nvPr/>
+        </p:nvSpPr>
+        <p:spPr>
+          <a:xfrm>
+            <a:off x="9603093" y="4639776"/>
+            <a:ext cx="2108715" cy="1502607"/>
+          </a:xfrm>
+          <a:prstGeom prst="rect">
+            <a:avLst/>
+          </a:prstGeom>
+          <a:solidFill>
+            <a:schemeClr val="bg1"/>
+          </a:solidFill>
+          <a:ln>
+            <a:solidFill>
+              <a:schemeClr val="bg2"/>
+            </a:solidFill>
+          </a:ln>
+        </p:spPr>
+        <p:style>
+          <a:lnRef idx="2">
+            <a:schemeClr val="accent1">
+              <a:shade val="50000"/>
+            </a:schemeClr>
+          </a:lnRef>
+          <a:fillRef idx="1">
+            <a:schemeClr val="accent1"/>
+          </a:fillRef>
+          <a:effectRef idx="0">
+            <a:schemeClr val="accent1"/>
+          </a:effectRef>
+          <a:fontRef idx="minor">
+            <a:schemeClr val="lt1"/>
+          </a:fontRef>
+        </p:style>
+        <p:txBody>
+          <a:bodyPr rtlCol="0" anchor="ctr"/>
+          <a:lstStyle/>
+          <a:p>
+            <a:pPr algn="ctr"/>
+            <a:r>
+              <a:rPr lang="en-US" dirty="0">
+                <a:solidFill>
+                  <a:sysClr val="windowText" lastClr="000000"/>
+                </a:solidFill>
+              </a:rPr>
+              <a:t>Compare Antibody Binding Between Reference and Prediction</a:t>
+            </a:r>
+          </a:p>
+          <a:p>
+            <a:pPr algn="ctr"/>
+            <a:r>
+              <a:rPr lang="en-US" sz="1200" dirty="0">
+                <a:solidFill>
+                  <a:sysClr val="windowText" lastClr="000000"/>
+                </a:solidFill>
+              </a:rPr>
+              <a:t>(e.g., 7CAC vs. BV-1)</a:t>
+            </a:r>
+          </a:p>
+        </p:txBody>
+      </p:sp>
+      <p:pic>
+        <p:nvPicPr>
+          <p:cNvPr id="12" name="Picture 11" descr="A picture containing light&#10;&#10;Description automatically generated">
+            <a:extLst>
+              <a:ext uri="{FF2B5EF4-FFF2-40B4-BE49-F238E27FC236}">
+                <a16:creationId xmlns:a16="http://schemas.microsoft.com/office/drawing/2014/main" id="{1DF2F6D3-C664-474A-98BA-255E82E1106D}"/>
+              </a:ext>
+            </a:extLst>
+          </p:cNvPr>
+          <p:cNvPicPr>
+            <a:picLocks noChangeAspect="1"/>
+          </p:cNvPicPr>
+          <p:nvPr/>
+        </p:nvPicPr>
+        <p:blipFill>
+          <a:blip r:embed="rId3">
+            <a:extLst>
+              <a:ext uri="{28A0092B-C50C-407E-A947-70E740481C1C}">
+                <a14:useLocalDpi xmlns:a14="http://schemas.microsoft.com/office/drawing/2010/main" val="0"/>
+              </a:ext>
+            </a:extLst>
+          </a:blip>
+          <a:stretch>
+            <a:fillRect/>
+          </a:stretch>
+        </p:blipFill>
+        <p:spPr>
+          <a:xfrm rot="2301842">
+            <a:off x="6560753" y="3957981"/>
+            <a:ext cx="2751283" cy="3008728"/>
+          </a:xfrm>
+          <a:prstGeom prst="rect">
+            <a:avLst/>
+          </a:prstGeom>
+        </p:spPr>
+      </p:pic>
+      <p:cxnSp>
+        <p:nvCxnSpPr>
+          <p:cNvPr id="14" name="Straight Arrow Connector 13">
+            <a:extLst>
+              <a:ext uri="{FF2B5EF4-FFF2-40B4-BE49-F238E27FC236}">
+                <a16:creationId xmlns:a16="http://schemas.microsoft.com/office/drawing/2014/main" id="{C9C1DCB6-40AC-478C-98C2-4C569B4ABD0C}"/>
+              </a:ext>
+            </a:extLst>
+          </p:cNvPr>
+          <p:cNvCxnSpPr>
+            <a:stCxn id="6" idx="2"/>
+            <a:endCxn id="8" idx="0"/>
+          </p:cNvCxnSpPr>
+          <p:nvPr/>
+        </p:nvCxnSpPr>
+        <p:spPr>
+          <a:xfrm>
+            <a:off x="6096000" y="2705409"/>
+            <a:ext cx="0" cy="389442"/>
+          </a:xfrm>
+          <a:prstGeom prst="straightConnector1">
+            <a:avLst/>
+          </a:prstGeom>
+          <a:ln w="38100">
+            <a:solidFill>
+              <a:schemeClr val="bg2"/>
+            </a:solidFill>
+            <a:tailEnd type="triangle"/>
+          </a:ln>
+        </p:spPr>
+        <p:style>
+          <a:lnRef idx="1">
+            <a:schemeClr val="accent1"/>
+          </a:lnRef>
+          <a:fillRef idx="0">
+            <a:schemeClr val="accent1"/>
+          </a:fillRef>
+          <a:effectRef idx="0">
+            <a:schemeClr val="accent1"/>
+          </a:effectRef>
+          <a:fontRef idx="minor">
+            <a:schemeClr val="tx1"/>
+          </a:fontRef>
+        </p:style>
+      </p:cxnSp>
+      <p:cxnSp>
+        <p:nvCxnSpPr>
+          <p:cNvPr id="15" name="Straight Arrow Connector 14">
+            <a:extLst>
+              <a:ext uri="{FF2B5EF4-FFF2-40B4-BE49-F238E27FC236}">
+                <a16:creationId xmlns:a16="http://schemas.microsoft.com/office/drawing/2014/main" id="{E6CA35F2-F820-4C46-9395-AACFF9ECC2C3}"/>
+              </a:ext>
+            </a:extLst>
+          </p:cNvPr>
+          <p:cNvCxnSpPr>
+            <a:cxnSpLocks/>
+            <a:stCxn id="7" idx="2"/>
+            <a:endCxn id="9" idx="0"/>
+          </p:cNvCxnSpPr>
+          <p:nvPr/>
+        </p:nvCxnSpPr>
+        <p:spPr>
+          <a:xfrm>
+            <a:off x="9776791" y="2705409"/>
+            <a:ext cx="0" cy="389442"/>
+          </a:xfrm>
+          <a:prstGeom prst="straightConnector1">
+            <a:avLst/>
+          </a:prstGeom>
+          <a:ln w="38100">
+            <a:solidFill>
+              <a:schemeClr val="bg2"/>
+            </a:solidFill>
+            <a:tailEnd type="triangle"/>
+          </a:ln>
+        </p:spPr>
+        <p:style>
+          <a:lnRef idx="1">
+            <a:schemeClr val="accent1"/>
+          </a:lnRef>
+          <a:fillRef idx="0">
+            <a:schemeClr val="accent1"/>
+          </a:fillRef>
+          <a:effectRef idx="0">
+            <a:schemeClr val="accent1"/>
+          </a:effectRef>
+          <a:fontRef idx="minor">
+            <a:schemeClr val="tx1"/>
+          </a:fontRef>
+        </p:style>
+      </p:cxnSp>
+      <p:cxnSp>
+        <p:nvCxnSpPr>
+          <p:cNvPr id="19" name="Straight Arrow Connector 18">
+            <a:extLst>
+              <a:ext uri="{FF2B5EF4-FFF2-40B4-BE49-F238E27FC236}">
+                <a16:creationId xmlns:a16="http://schemas.microsoft.com/office/drawing/2014/main" id="{9688826E-1B35-42E5-948C-AB66AA2CB7E3}"/>
+              </a:ext>
+            </a:extLst>
+          </p:cNvPr>
+          <p:cNvCxnSpPr>
+            <a:cxnSpLocks/>
+            <a:stCxn id="8" idx="3"/>
+            <a:endCxn id="9" idx="1"/>
+          </p:cNvCxnSpPr>
+          <p:nvPr/>
+        </p:nvCxnSpPr>
+        <p:spPr>
+          <a:xfrm>
+            <a:off x="7150357" y="3552051"/>
+            <a:ext cx="1572076" cy="0"/>
+          </a:xfrm>
+          <a:prstGeom prst="straightConnector1">
+            <a:avLst/>
+          </a:prstGeom>
+          <a:ln w="38100">
+            <a:solidFill>
+              <a:schemeClr val="bg2"/>
+            </a:solidFill>
+            <a:tailEnd type="triangle"/>
+          </a:ln>
+        </p:spPr>
+        <p:style>
+          <a:lnRef idx="1">
+            <a:schemeClr val="accent1"/>
+          </a:lnRef>
+          <a:fillRef idx="0">
+            <a:schemeClr val="accent1"/>
+          </a:fillRef>
+          <a:effectRef idx="0">
+            <a:schemeClr val="accent1"/>
+          </a:effectRef>
+          <a:fontRef idx="minor">
+            <a:schemeClr val="tx1"/>
+          </a:fontRef>
+        </p:style>
+      </p:cxnSp>
+      <p:cxnSp>
+        <p:nvCxnSpPr>
+          <p:cNvPr id="23" name="Connector: Elbow 22">
+            <a:extLst>
+              <a:ext uri="{FF2B5EF4-FFF2-40B4-BE49-F238E27FC236}">
+                <a16:creationId xmlns:a16="http://schemas.microsoft.com/office/drawing/2014/main" id="{64399804-1CE5-41E3-9E87-2BEEEC097911}"/>
+              </a:ext>
+            </a:extLst>
+          </p:cNvPr>
+          <p:cNvCxnSpPr>
+            <a:cxnSpLocks/>
+            <a:stCxn id="9" idx="2"/>
+            <a:endCxn id="10" idx="0"/>
+          </p:cNvCxnSpPr>
+          <p:nvPr/>
+        </p:nvCxnSpPr>
+        <p:spPr>
+          <a:xfrm rot="16200000" flipH="1">
+            <a:off x="9901859" y="3884183"/>
+            <a:ext cx="630525" cy="880660"/>
+          </a:xfrm>
+          <a:prstGeom prst="bentConnector3">
+            <a:avLst/>
+          </a:prstGeom>
+          <a:ln w="38100">
+            <a:solidFill>
+              <a:schemeClr val="bg2"/>
+            </a:solidFill>
+            <a:tailEnd type="triangle"/>
+          </a:ln>
+        </p:spPr>
+        <p:style>
+          <a:lnRef idx="1">
+            <a:schemeClr val="accent1"/>
+          </a:lnRef>
+          <a:fillRef idx="0">
+            <a:schemeClr val="accent1"/>
+          </a:fillRef>
+          <a:effectRef idx="0">
+            <a:schemeClr val="accent1"/>
+          </a:effectRef>
+          <a:fontRef idx="minor">
+            <a:schemeClr val="tx1"/>
+          </a:fontRef>
+        </p:style>
+      </p:cxnSp>
+      <p:sp>
+        <p:nvSpPr>
+          <p:cNvPr id="26" name="Right Brace 25">
+            <a:extLst>
+              <a:ext uri="{FF2B5EF4-FFF2-40B4-BE49-F238E27FC236}">
+                <a16:creationId xmlns:a16="http://schemas.microsoft.com/office/drawing/2014/main" id="{310685E4-E3CE-4905-92A7-9046BC1AB356}"/>
+              </a:ext>
+            </a:extLst>
+          </p:cNvPr>
+          <p:cNvSpPr/>
+          <p:nvPr/>
+        </p:nvSpPr>
+        <p:spPr>
+          <a:xfrm rot="11973285">
+            <a:off x="1924538" y="1349740"/>
+            <a:ext cx="486088" cy="1417721"/>
+          </a:xfrm>
+          <a:prstGeom prst="rightBrace">
+            <a:avLst/>
+          </a:prstGeom>
+          <a:ln w="38100"/>
+        </p:spPr>
+        <p:style>
+          <a:lnRef idx="1">
+            <a:schemeClr val="accent4"/>
+          </a:lnRef>
+          <a:fillRef idx="0">
+            <a:schemeClr val="accent4"/>
+          </a:fillRef>
+          <a:effectRef idx="0">
+            <a:schemeClr val="accent4"/>
+          </a:effectRef>
+          <a:fontRef idx="minor">
+            <a:schemeClr val="tx1"/>
+          </a:fontRef>
+        </p:style>
+        <p:txBody>
+          <a:bodyPr rtlCol="0" anchor="ctr"/>
+          <a:lstStyle/>
+          <a:p>
+            <a:pPr algn="ctr"/>
+            <a:endParaRPr lang="en-US"/>
+          </a:p>
+        </p:txBody>
+      </p:sp>
+      <p:sp>
+        <p:nvSpPr>
+          <p:cNvPr id="27" name="TextBox 26">
+            <a:extLst>
+              <a:ext uri="{FF2B5EF4-FFF2-40B4-BE49-F238E27FC236}">
+                <a16:creationId xmlns:a16="http://schemas.microsoft.com/office/drawing/2014/main" id="{107C06A1-A0ED-4F19-ACFB-70753C426A30}"/>
+              </a:ext>
+            </a:extLst>
+          </p:cNvPr>
+          <p:cNvSpPr txBox="1"/>
+          <p:nvPr/>
+        </p:nvSpPr>
+        <p:spPr>
+          <a:xfrm rot="17439337">
+            <a:off x="1038685" y="1529399"/>
+            <a:ext cx="1307120" cy="523220"/>
+          </a:xfrm>
+          <a:prstGeom prst="rect">
+            <a:avLst/>
+          </a:prstGeom>
+          <a:noFill/>
+        </p:spPr>
+        <p:txBody>
+          <a:bodyPr wrap="square" rtlCol="0">
+            <a:spAutoFit/>
+          </a:bodyPr>
+          <a:lstStyle/>
+          <a:p>
+            <a:pPr algn="ctr"/>
+            <a:r>
+              <a:rPr lang="en-US" sz="1400" dirty="0"/>
+              <a:t>Antibody Binding Site</a:t>
+            </a:r>
+          </a:p>
+        </p:txBody>
+      </p:sp>
+    </p:spTree>
+    <p:extLst>
+      <p:ext uri="{BB962C8B-B14F-4D97-AF65-F5344CB8AC3E}">
+        <p14:creationId xmlns:p14="http://schemas.microsoft.com/office/powerpoint/2010/main" val="3039734904"/>
+      </p:ext>
+    </p:extLst>
+  </p:cSld>
+  <p:clrMapOvr>
+    <a:masterClrMapping/>
+  </p:clrMapOvr>
+</p:sld>
+</file>
+
 <file path=ppt/theme/theme1.xml><?xml version="1.0" encoding="utf-8"?>
 <a:theme xmlns:a="http://schemas.openxmlformats.org/drawingml/2006/main" name="Swiss">
   <a:themeElements>
